--- a/Calendario2025/Presentaciones/14_SSH.pptx
+++ b/Calendario2025/Presentaciones/14_SSH.pptx
@@ -213,7 +213,7 @@
           <a:p>
             <a:fld id="{2D445F07-8756-451B-A938-0248325FC7BB}" type="datetimeFigureOut">
               <a:rPr lang="es-MX" smtClean="0"/>
-              <a:t>31/05/2022</a:t>
+              <a:t>01/06/2025</a:t>
             </a:fld>
             <a:endParaRPr lang="es-MX" dirty="0"/>
           </a:p>
@@ -372,7 +372,7 @@
           <a:p>
             <a:fld id="{5993AEC0-242E-4FA7-9D3C-51E1036AC3CB}" type="slidenum">
               <a:rPr lang="es-MX" smtClean="0"/>
-              <a:t>‹Nº›</a:t>
+              <a:t>‹#›</a:t>
             </a:fld>
             <a:endParaRPr lang="es-MX" dirty="0"/>
           </a:p>
@@ -996,7 +996,7 @@
           <a:p>
             <a:fld id="{5E75A0DC-66C6-4CEC-A5EB-F8C97CEC3796}" type="datetimeFigureOut">
               <a:rPr lang="es-MX" smtClean="0"/>
-              <a:t>31/05/2022</a:t>
+              <a:t>01/06/2025</a:t>
             </a:fld>
             <a:endParaRPr lang="es-MX" dirty="0"/>
           </a:p>
@@ -1038,7 +1038,7 @@
           <a:p>
             <a:fld id="{C077EE1E-7A06-4E7F-9AFB-189FC69B7B0C}" type="slidenum">
               <a:rPr lang="es-MX" smtClean="0"/>
-              <a:t>‹Nº›</a:t>
+              <a:t>‹#›</a:t>
             </a:fld>
             <a:endParaRPr lang="es-MX" dirty="0"/>
           </a:p>
@@ -1166,7 +1166,7 @@
           <a:p>
             <a:fld id="{5E75A0DC-66C6-4CEC-A5EB-F8C97CEC3796}" type="datetimeFigureOut">
               <a:rPr lang="es-MX" smtClean="0"/>
-              <a:t>31/05/2022</a:t>
+              <a:t>01/06/2025</a:t>
             </a:fld>
             <a:endParaRPr lang="es-MX" dirty="0"/>
           </a:p>
@@ -1208,7 +1208,7 @@
           <a:p>
             <a:fld id="{C077EE1E-7A06-4E7F-9AFB-189FC69B7B0C}" type="slidenum">
               <a:rPr lang="es-MX" smtClean="0"/>
-              <a:t>‹Nº›</a:t>
+              <a:t>‹#›</a:t>
             </a:fld>
             <a:endParaRPr lang="es-MX" dirty="0"/>
           </a:p>
@@ -1346,7 +1346,7 @@
           <a:p>
             <a:fld id="{5E75A0DC-66C6-4CEC-A5EB-F8C97CEC3796}" type="datetimeFigureOut">
               <a:rPr lang="es-MX" smtClean="0"/>
-              <a:t>31/05/2022</a:t>
+              <a:t>01/06/2025</a:t>
             </a:fld>
             <a:endParaRPr lang="es-MX" dirty="0"/>
           </a:p>
@@ -1388,7 +1388,7 @@
           <a:p>
             <a:fld id="{C077EE1E-7A06-4E7F-9AFB-189FC69B7B0C}" type="slidenum">
               <a:rPr lang="es-MX" smtClean="0"/>
-              <a:t>‹Nº›</a:t>
+              <a:t>‹#›</a:t>
             </a:fld>
             <a:endParaRPr lang="es-MX" dirty="0"/>
           </a:p>
@@ -1480,7 +1480,7 @@
           <a:p>
             <a:fld id="{1D8BD707-D9CF-40AE-B4C6-C98DA3205C09}" type="datetimeFigureOut">
               <a:rPr lang="en-US"/>
-              <a:t>5/31/2022</a:t>
+              <a:t>6/1/2025</a:t>
             </a:fld>
             <a:endParaRPr lang="en-US"/>
           </a:p>
@@ -1512,7 +1512,7 @@
           </a:lstStyle>
           <a:p>
             <a:fld id="{B6F15528-21DE-4FAA-801E-634DDDAF4B2B}" type="slidenum">
-              <a:t>‹Nº›</a:t>
+              <a:t>‹#›</a:t>
             </a:fld>
             <a:endParaRPr/>
           </a:p>
@@ -1640,7 +1640,7 @@
           <a:p>
             <a:fld id="{5E75A0DC-66C6-4CEC-A5EB-F8C97CEC3796}" type="datetimeFigureOut">
               <a:rPr lang="es-MX" smtClean="0"/>
-              <a:t>31/05/2022</a:t>
+              <a:t>01/06/2025</a:t>
             </a:fld>
             <a:endParaRPr lang="es-MX" dirty="0"/>
           </a:p>
@@ -1682,7 +1682,7 @@
           <a:p>
             <a:fld id="{C077EE1E-7A06-4E7F-9AFB-189FC69B7B0C}" type="slidenum">
               <a:rPr lang="es-MX" smtClean="0"/>
-              <a:t>‹Nº›</a:t>
+              <a:t>‹#›</a:t>
             </a:fld>
             <a:endParaRPr lang="es-MX" dirty="0"/>
           </a:p>
@@ -1886,7 +1886,7 @@
           <a:p>
             <a:fld id="{5E75A0DC-66C6-4CEC-A5EB-F8C97CEC3796}" type="datetimeFigureOut">
               <a:rPr lang="es-MX" smtClean="0"/>
-              <a:t>31/05/2022</a:t>
+              <a:t>01/06/2025</a:t>
             </a:fld>
             <a:endParaRPr lang="es-MX" dirty="0"/>
           </a:p>
@@ -1928,7 +1928,7 @@
           <a:p>
             <a:fld id="{C077EE1E-7A06-4E7F-9AFB-189FC69B7B0C}" type="slidenum">
               <a:rPr lang="es-MX" smtClean="0"/>
-              <a:t>‹Nº›</a:t>
+              <a:t>‹#›</a:t>
             </a:fld>
             <a:endParaRPr lang="es-MX" dirty="0"/>
           </a:p>
@@ -2174,7 +2174,7 @@
           <a:p>
             <a:fld id="{5E75A0DC-66C6-4CEC-A5EB-F8C97CEC3796}" type="datetimeFigureOut">
               <a:rPr lang="es-MX" smtClean="0"/>
-              <a:t>31/05/2022</a:t>
+              <a:t>01/06/2025</a:t>
             </a:fld>
             <a:endParaRPr lang="es-MX" dirty="0"/>
           </a:p>
@@ -2216,7 +2216,7 @@
           <a:p>
             <a:fld id="{C077EE1E-7A06-4E7F-9AFB-189FC69B7B0C}" type="slidenum">
               <a:rPr lang="es-MX" smtClean="0"/>
-              <a:t>‹Nº›</a:t>
+              <a:t>‹#›</a:t>
             </a:fld>
             <a:endParaRPr lang="es-MX" dirty="0"/>
           </a:p>
@@ -2596,7 +2596,7 @@
           <a:p>
             <a:fld id="{5E75A0DC-66C6-4CEC-A5EB-F8C97CEC3796}" type="datetimeFigureOut">
               <a:rPr lang="es-MX" smtClean="0"/>
-              <a:t>31/05/2022</a:t>
+              <a:t>01/06/2025</a:t>
             </a:fld>
             <a:endParaRPr lang="es-MX" dirty="0"/>
           </a:p>
@@ -2638,7 +2638,7 @@
           <a:p>
             <a:fld id="{C077EE1E-7A06-4E7F-9AFB-189FC69B7B0C}" type="slidenum">
               <a:rPr lang="es-MX" smtClean="0"/>
-              <a:t>‹Nº›</a:t>
+              <a:t>‹#›</a:t>
             </a:fld>
             <a:endParaRPr lang="es-MX" dirty="0"/>
           </a:p>
@@ -2714,7 +2714,7 @@
           <a:p>
             <a:fld id="{5E75A0DC-66C6-4CEC-A5EB-F8C97CEC3796}" type="datetimeFigureOut">
               <a:rPr lang="es-MX" smtClean="0"/>
-              <a:t>31/05/2022</a:t>
+              <a:t>01/06/2025</a:t>
             </a:fld>
             <a:endParaRPr lang="es-MX" dirty="0"/>
           </a:p>
@@ -2756,7 +2756,7 @@
           <a:p>
             <a:fld id="{C077EE1E-7A06-4E7F-9AFB-189FC69B7B0C}" type="slidenum">
               <a:rPr lang="es-MX" smtClean="0"/>
-              <a:t>‹Nº›</a:t>
+              <a:t>‹#›</a:t>
             </a:fld>
             <a:endParaRPr lang="es-MX" dirty="0"/>
           </a:p>
@@ -2809,7 +2809,7 @@
           <a:p>
             <a:fld id="{5E75A0DC-66C6-4CEC-A5EB-F8C97CEC3796}" type="datetimeFigureOut">
               <a:rPr lang="es-MX" smtClean="0"/>
-              <a:t>31/05/2022</a:t>
+              <a:t>01/06/2025</a:t>
             </a:fld>
             <a:endParaRPr lang="es-MX" dirty="0"/>
           </a:p>
@@ -2851,7 +2851,7 @@
           <a:p>
             <a:fld id="{C077EE1E-7A06-4E7F-9AFB-189FC69B7B0C}" type="slidenum">
               <a:rPr lang="es-MX" smtClean="0"/>
-              <a:t>‹Nº›</a:t>
+              <a:t>‹#›</a:t>
             </a:fld>
             <a:endParaRPr lang="es-MX" dirty="0"/>
           </a:p>
@@ -3086,7 +3086,7 @@
           <a:p>
             <a:fld id="{5E75A0DC-66C6-4CEC-A5EB-F8C97CEC3796}" type="datetimeFigureOut">
               <a:rPr lang="es-MX" smtClean="0"/>
-              <a:t>31/05/2022</a:t>
+              <a:t>01/06/2025</a:t>
             </a:fld>
             <a:endParaRPr lang="es-MX" dirty="0"/>
           </a:p>
@@ -3128,7 +3128,7 @@
           <a:p>
             <a:fld id="{C077EE1E-7A06-4E7F-9AFB-189FC69B7B0C}" type="slidenum">
               <a:rPr lang="es-MX" smtClean="0"/>
-              <a:t>‹Nº›</a:t>
+              <a:t>‹#›</a:t>
             </a:fld>
             <a:endParaRPr lang="es-MX" dirty="0"/>
           </a:p>
@@ -3339,7 +3339,7 @@
           <a:p>
             <a:fld id="{5E75A0DC-66C6-4CEC-A5EB-F8C97CEC3796}" type="datetimeFigureOut">
               <a:rPr lang="es-MX" smtClean="0"/>
-              <a:t>31/05/2022</a:t>
+              <a:t>01/06/2025</a:t>
             </a:fld>
             <a:endParaRPr lang="es-MX" dirty="0"/>
           </a:p>
@@ -3381,7 +3381,7 @@
           <a:p>
             <a:fld id="{C077EE1E-7A06-4E7F-9AFB-189FC69B7B0C}" type="slidenum">
               <a:rPr lang="es-MX" smtClean="0"/>
-              <a:t>‹Nº›</a:t>
+              <a:t>‹#›</a:t>
             </a:fld>
             <a:endParaRPr lang="es-MX" dirty="0"/>
           </a:p>
@@ -3552,7 +3552,7 @@
           <a:p>
             <a:fld id="{5E75A0DC-66C6-4CEC-A5EB-F8C97CEC3796}" type="datetimeFigureOut">
               <a:rPr lang="es-MX" smtClean="0"/>
-              <a:t>31/05/2022</a:t>
+              <a:t>01/06/2025</a:t>
             </a:fld>
             <a:endParaRPr lang="es-MX" dirty="0"/>
           </a:p>
@@ -3630,7 +3630,7 @@
           <a:p>
             <a:fld id="{C077EE1E-7A06-4E7F-9AFB-189FC69B7B0C}" type="slidenum">
               <a:rPr lang="es-MX" smtClean="0"/>
-              <a:t>‹Nº›</a:t>
+              <a:t>‹#›</a:t>
             </a:fld>
             <a:endParaRPr lang="es-MX" dirty="0"/>
           </a:p>
@@ -4680,7 +4680,7 @@
         </p:blipFill>
         <p:spPr>
           <a:xfrm>
-            <a:off x="1761554" y="2542661"/>
+            <a:off x="1907704" y="2570914"/>
             <a:ext cx="5476875" cy="4000500"/>
           </a:xfrm>
           <a:prstGeom prst="rect">
@@ -4992,7 +4992,27 @@
                 <a:effectLst/>
                 <a:cs typeface="Arial" panose="020B0604020202020204" pitchFamily="34" charset="0"/>
               </a:rPr>
-              <a:t> del modo de configuración global para habilitar el servidor SSH en el switch y generar un par de claves RSA. Al crear claves RSA, se solicita al administrador que introduzca una longitud de módulo. La configuración de ejemplo en la figura utiliza un tamaño de módulo de 1024 bits. </a:t>
+              <a:t> del modo de configuración global para habilitar el servidor SSH en el </a:t>
+            </a:r>
+            <a:r>
+              <a:rPr lang="es-ES" b="0" i="0" dirty="0" err="1">
+                <a:solidFill>
+                  <a:srgbClr val="444340"/>
+                </a:solidFill>
+                <a:effectLst/>
+                <a:cs typeface="Arial" panose="020B0604020202020204" pitchFamily="34" charset="0"/>
+              </a:rPr>
+              <a:t>router</a:t>
+            </a:r>
+            <a:r>
+              <a:rPr lang="es-ES" b="0" i="0" dirty="0">
+                <a:solidFill>
+                  <a:srgbClr val="444340"/>
+                </a:solidFill>
+                <a:effectLst/>
+                <a:cs typeface="Arial" panose="020B0604020202020204" pitchFamily="34" charset="0"/>
+              </a:rPr>
+              <a:t> o switch y generar un par de claves RSA. Al crear claves RSA, se solicita al administrador que introduzca una longitud de módulo. La configuración de ejemplo en la figura utiliza un tamaño de módulo de 1024 bits. </a:t>
             </a:r>
           </a:p>
         </p:txBody>
@@ -5403,8 +5423,8 @@
         </p:blipFill>
         <p:spPr>
           <a:xfrm>
-            <a:off x="1835696" y="3128330"/>
-            <a:ext cx="4968552" cy="3629203"/>
+            <a:off x="2051720" y="3429000"/>
+            <a:ext cx="4680520" cy="3418814"/>
           </a:xfrm>
           <a:prstGeom prst="rect">
             <a:avLst/>
